--- a/DSP LEC1.pptx
+++ b/DSP LEC1.pptx
@@ -218,7 +218,7 @@
           <a:p>
             <a:fld id="{A34C035A-1860-441A-9358-E91CF4D84072}" type="datetimeFigureOut">
               <a:rPr lang="ar-SA" smtClean="0"/>
-              <a:t>6/13/1440</a:t>
+              <a:t>6/14/1440</a:t>
             </a:fld>
             <a:endParaRPr lang="ar-SA"/>
           </a:p>
@@ -1647,7 +1647,7 @@
           <a:p>
             <a:fld id="{22DB4D41-8182-46D2-B893-EFC2FC029DDB}" type="datetimeFigureOut">
               <a:rPr lang="ar-SA" smtClean="0"/>
-              <a:t>6/13/1440</a:t>
+              <a:t>6/14/1440</a:t>
             </a:fld>
             <a:endParaRPr lang="ar-SA"/>
           </a:p>
@@ -1898,7 +1898,7 @@
           <a:p>
             <a:fld id="{22DB4D41-8182-46D2-B893-EFC2FC029DDB}" type="datetimeFigureOut">
               <a:rPr lang="ar-SA" smtClean="0"/>
-              <a:t>6/13/1440</a:t>
+              <a:t>6/14/1440</a:t>
             </a:fld>
             <a:endParaRPr lang="ar-SA"/>
           </a:p>
@@ -2212,7 +2212,7 @@
           <a:p>
             <a:fld id="{22DB4D41-8182-46D2-B893-EFC2FC029DDB}" type="datetimeFigureOut">
               <a:rPr lang="ar-SA" smtClean="0"/>
-              <a:t>6/13/1440</a:t>
+              <a:t>6/14/1440</a:t>
             </a:fld>
             <a:endParaRPr lang="ar-SA"/>
           </a:p>
@@ -2553,7 +2553,7 @@
           <a:p>
             <a:fld id="{22DB4D41-8182-46D2-B893-EFC2FC029DDB}" type="datetimeFigureOut">
               <a:rPr lang="ar-SA" smtClean="0"/>
-              <a:t>6/13/1440</a:t>
+              <a:t>6/14/1440</a:t>
             </a:fld>
             <a:endParaRPr lang="ar-SA"/>
           </a:p>
@@ -2867,7 +2867,7 @@
           <a:p>
             <a:fld id="{22DB4D41-8182-46D2-B893-EFC2FC029DDB}" type="datetimeFigureOut">
               <a:rPr lang="ar-SA" smtClean="0"/>
-              <a:t>6/13/1440</a:t>
+              <a:t>6/14/1440</a:t>
             </a:fld>
             <a:endParaRPr lang="ar-SA"/>
           </a:p>
@@ -3260,7 +3260,7 @@
           <a:p>
             <a:fld id="{22DB4D41-8182-46D2-B893-EFC2FC029DDB}" type="datetimeFigureOut">
               <a:rPr lang="ar-SA" smtClean="0"/>
-              <a:t>6/13/1440</a:t>
+              <a:t>6/14/1440</a:t>
             </a:fld>
             <a:endParaRPr lang="ar-SA"/>
           </a:p>
@@ -3430,7 +3430,7 @@
           <a:p>
             <a:fld id="{22DB4D41-8182-46D2-B893-EFC2FC029DDB}" type="datetimeFigureOut">
               <a:rPr lang="ar-SA" smtClean="0"/>
-              <a:t>6/13/1440</a:t>
+              <a:t>6/14/1440</a:t>
             </a:fld>
             <a:endParaRPr lang="ar-SA"/>
           </a:p>
@@ -3610,7 +3610,7 @@
           <a:p>
             <a:fld id="{22DB4D41-8182-46D2-B893-EFC2FC029DDB}" type="datetimeFigureOut">
               <a:rPr lang="ar-SA" smtClean="0"/>
-              <a:t>6/13/1440</a:t>
+              <a:t>6/14/1440</a:t>
             </a:fld>
             <a:endParaRPr lang="ar-SA"/>
           </a:p>
@@ -3786,7 +3786,7 @@
           <a:p>
             <a:fld id="{22DB4D41-8182-46D2-B893-EFC2FC029DDB}" type="datetimeFigureOut">
               <a:rPr lang="ar-SA" smtClean="0"/>
-              <a:t>6/13/1440</a:t>
+              <a:t>6/14/1440</a:t>
             </a:fld>
             <a:endParaRPr lang="ar-SA"/>
           </a:p>
@@ -4033,7 +4033,7 @@
           <a:p>
             <a:fld id="{22DB4D41-8182-46D2-B893-EFC2FC029DDB}" type="datetimeFigureOut">
               <a:rPr lang="ar-SA" smtClean="0"/>
-              <a:t>6/13/1440</a:t>
+              <a:t>6/14/1440</a:t>
             </a:fld>
             <a:endParaRPr lang="ar-SA"/>
           </a:p>
@@ -4265,7 +4265,7 @@
           <a:p>
             <a:fld id="{22DB4D41-8182-46D2-B893-EFC2FC029DDB}" type="datetimeFigureOut">
               <a:rPr lang="ar-SA" smtClean="0"/>
-              <a:t>6/13/1440</a:t>
+              <a:t>6/14/1440</a:t>
             </a:fld>
             <a:endParaRPr lang="ar-SA"/>
           </a:p>
@@ -4639,7 +4639,7 @@
           <a:p>
             <a:fld id="{22DB4D41-8182-46D2-B893-EFC2FC029DDB}" type="datetimeFigureOut">
               <a:rPr lang="ar-SA" smtClean="0"/>
-              <a:t>6/13/1440</a:t>
+              <a:t>6/14/1440</a:t>
             </a:fld>
             <a:endParaRPr lang="ar-SA"/>
           </a:p>
@@ -4762,7 +4762,7 @@
           <a:p>
             <a:fld id="{22DB4D41-8182-46D2-B893-EFC2FC029DDB}" type="datetimeFigureOut">
               <a:rPr lang="ar-SA" smtClean="0"/>
-              <a:t>6/13/1440</a:t>
+              <a:t>6/14/1440</a:t>
             </a:fld>
             <a:endParaRPr lang="ar-SA"/>
           </a:p>
@@ -4857,7 +4857,7 @@
           <a:p>
             <a:fld id="{22DB4D41-8182-46D2-B893-EFC2FC029DDB}" type="datetimeFigureOut">
               <a:rPr lang="ar-SA" smtClean="0"/>
-              <a:t>6/13/1440</a:t>
+              <a:t>6/14/1440</a:t>
             </a:fld>
             <a:endParaRPr lang="ar-SA"/>
           </a:p>
@@ -5112,7 +5112,7 @@
           <a:p>
             <a:fld id="{22DB4D41-8182-46D2-B893-EFC2FC029DDB}" type="datetimeFigureOut">
               <a:rPr lang="ar-SA" smtClean="0"/>
-              <a:t>6/13/1440</a:t>
+              <a:t>6/14/1440</a:t>
             </a:fld>
             <a:endParaRPr lang="ar-SA"/>
           </a:p>
@@ -5375,7 +5375,7 @@
           <a:p>
             <a:fld id="{22DB4D41-8182-46D2-B893-EFC2FC029DDB}" type="datetimeFigureOut">
               <a:rPr lang="ar-SA" smtClean="0"/>
-              <a:t>6/13/1440</a:t>
+              <a:t>6/14/1440</a:t>
             </a:fld>
             <a:endParaRPr lang="ar-SA"/>
           </a:p>
@@ -6118,7 +6118,7 @@
           <a:p>
             <a:fld id="{22DB4D41-8182-46D2-B893-EFC2FC029DDB}" type="datetimeFigureOut">
               <a:rPr lang="ar-SA" smtClean="0"/>
-              <a:t>6/13/1440</a:t>
+              <a:t>6/14/1440</a:t>
             </a:fld>
             <a:endParaRPr lang="ar-SA"/>
           </a:p>
@@ -11599,8 +11599,8 @@
         </p:nvSpPr>
         <p:spPr>
           <a:xfrm>
-            <a:off x="1626585" y="1154277"/>
-            <a:ext cx="2855269" cy="369332"/>
+            <a:off x="1869131" y="3075057"/>
+            <a:ext cx="6442789" cy="707886"/>
           </a:xfrm>
           <a:prstGeom prst="rect">
             <a:avLst/>
@@ -11613,7 +11613,7 @@
           <a:lstStyle/>
           <a:p>
             <a:r>
-              <a:rPr lang="en-US" dirty="0">
+              <a:rPr lang="en-US" sz="4000" b="1" dirty="0">
                 <a:solidFill>
                   <a:srgbClr val="666666"/>
                 </a:solidFill>
@@ -11621,7 +11621,7 @@
               </a:rPr>
               <a:t>daliaaug2019@gmail.com</a:t>
             </a:r>
-            <a:endParaRPr lang="ar-SA" dirty="0"/>
+            <a:endParaRPr lang="ar-SA" sz="4000" b="1" dirty="0"/>
           </a:p>
         </p:txBody>
       </p:sp>
